--- a/src/docs/Keil - PP.pptx
+++ b/src/docs/Keil - PP.pptx
@@ -16,6 +16,7 @@
     <p:sldId id="265" r:id="rId10"/>
     <p:sldId id="263" r:id="rId11"/>
     <p:sldId id="264" r:id="rId12"/>
+    <p:sldId id="267" r:id="rId13"/>
   </p:sldIdLst>
   <p:sldSz cx="12192000" cy="6858000"/>
   <p:notesSz cx="6858000" cy="9144000"/>
@@ -140,6 +141,11 @@
             <p14:sldId id="264"/>
           </p14:sldIdLst>
         </p14:section>
+        <p14:section name="Fazit" id="{787FD20B-3312-45D4-BBE9-744BFB363FA4}">
+          <p14:sldIdLst>
+            <p14:sldId id="267"/>
+          </p14:sldIdLst>
+        </p14:section>
       </p14:sectionLst>
     </p:ext>
     <p:ext uri="{EFAFB233-063F-42B5-8137-9DF3F51BA10A}">
@@ -296,7 +302,7 @@
           <a:p>
             <a:fld id="{D4D903BD-D09B-4649-8921-C59B0A065F9D}" type="datetimeFigureOut">
               <a:rPr lang="de-DE" smtClean="0"/>
-              <a:t>04.11.2024</a:t>
+              <a:t>05.11.2024</a:t>
             </a:fld>
             <a:endParaRPr lang="de-DE"/>
           </a:p>
@@ -494,7 +500,7 @@
           <a:p>
             <a:fld id="{D4D903BD-D09B-4649-8921-C59B0A065F9D}" type="datetimeFigureOut">
               <a:rPr lang="de-DE" smtClean="0"/>
-              <a:t>04.11.2024</a:t>
+              <a:t>05.11.2024</a:t>
             </a:fld>
             <a:endParaRPr lang="de-DE"/>
           </a:p>
@@ -702,7 +708,7 @@
           <a:p>
             <a:fld id="{D4D903BD-D09B-4649-8921-C59B0A065F9D}" type="datetimeFigureOut">
               <a:rPr lang="de-DE" smtClean="0"/>
-              <a:t>04.11.2024</a:t>
+              <a:t>05.11.2024</a:t>
             </a:fld>
             <a:endParaRPr lang="de-DE"/>
           </a:p>
@@ -900,7 +906,7 @@
           <a:p>
             <a:fld id="{D4D903BD-D09B-4649-8921-C59B0A065F9D}" type="datetimeFigureOut">
               <a:rPr lang="de-DE" smtClean="0"/>
-              <a:t>04.11.2024</a:t>
+              <a:t>05.11.2024</a:t>
             </a:fld>
             <a:endParaRPr lang="de-DE"/>
           </a:p>
@@ -1175,7 +1181,7 @@
           <a:p>
             <a:fld id="{D4D903BD-D09B-4649-8921-C59B0A065F9D}" type="datetimeFigureOut">
               <a:rPr lang="de-DE" smtClean="0"/>
-              <a:t>04.11.2024</a:t>
+              <a:t>05.11.2024</a:t>
             </a:fld>
             <a:endParaRPr lang="de-DE"/>
           </a:p>
@@ -1440,7 +1446,7 @@
           <a:p>
             <a:fld id="{D4D903BD-D09B-4649-8921-C59B0A065F9D}" type="datetimeFigureOut">
               <a:rPr lang="de-DE" smtClean="0"/>
-              <a:t>04.11.2024</a:t>
+              <a:t>05.11.2024</a:t>
             </a:fld>
             <a:endParaRPr lang="de-DE"/>
           </a:p>
@@ -1852,7 +1858,7 @@
           <a:p>
             <a:fld id="{D4D903BD-D09B-4649-8921-C59B0A065F9D}" type="datetimeFigureOut">
               <a:rPr lang="de-DE" smtClean="0"/>
-              <a:t>04.11.2024</a:t>
+              <a:t>05.11.2024</a:t>
             </a:fld>
             <a:endParaRPr lang="de-DE"/>
           </a:p>
@@ -1993,7 +1999,7 @@
           <a:p>
             <a:fld id="{D4D903BD-D09B-4649-8921-C59B0A065F9D}" type="datetimeFigureOut">
               <a:rPr lang="de-DE" smtClean="0"/>
-              <a:t>04.11.2024</a:t>
+              <a:t>05.11.2024</a:t>
             </a:fld>
             <a:endParaRPr lang="de-DE"/>
           </a:p>
@@ -2106,7 +2112,7 @@
           <a:p>
             <a:fld id="{D4D903BD-D09B-4649-8921-C59B0A065F9D}" type="datetimeFigureOut">
               <a:rPr lang="de-DE" smtClean="0"/>
-              <a:t>04.11.2024</a:t>
+              <a:t>05.11.2024</a:t>
             </a:fld>
             <a:endParaRPr lang="de-DE"/>
           </a:p>
@@ -2417,7 +2423,7 @@
           <a:p>
             <a:fld id="{D4D903BD-D09B-4649-8921-C59B0A065F9D}" type="datetimeFigureOut">
               <a:rPr lang="de-DE" smtClean="0"/>
-              <a:t>04.11.2024</a:t>
+              <a:t>05.11.2024</a:t>
             </a:fld>
             <a:endParaRPr lang="de-DE"/>
           </a:p>
@@ -2705,7 +2711,7 @@
           <a:p>
             <a:fld id="{D4D903BD-D09B-4649-8921-C59B0A065F9D}" type="datetimeFigureOut">
               <a:rPr lang="de-DE" smtClean="0"/>
-              <a:t>04.11.2024</a:t>
+              <a:t>05.11.2024</a:t>
             </a:fld>
             <a:endParaRPr lang="de-DE"/>
           </a:p>
@@ -2946,7 +2952,7 @@
           <a:p>
             <a:fld id="{D4D903BD-D09B-4649-8921-C59B0A065F9D}" type="datetimeFigureOut">
               <a:rPr lang="de-DE" smtClean="0"/>
-              <a:t>04.11.2024</a:t>
+              <a:t>05.11.2024</a:t>
             </a:fld>
             <a:endParaRPr lang="de-DE"/>
           </a:p>
@@ -7615,6 +7621,72 @@
 </p:sld>
 </file>
 
+<file path=ppt/slides/slide12.xml><?xml version="1.0" encoding="utf-8"?>
+<p:sld xmlns:a="http://schemas.openxmlformats.org/drawingml/2006/main" xmlns:r="http://schemas.openxmlformats.org/officeDocument/2006/relationships" xmlns:p="http://schemas.openxmlformats.org/presentationml/2006/main">
+  <p:cSld>
+    <p:spTree>
+      <p:nvGrpSpPr>
+        <p:cNvPr id="1" name=""/>
+        <p:cNvGrpSpPr/>
+        <p:nvPr/>
+      </p:nvGrpSpPr>
+      <p:grpSpPr>
+        <a:xfrm>
+          <a:off x="0" y="0"/>
+          <a:ext cx="0" cy="0"/>
+          <a:chOff x="0" y="0"/>
+          <a:chExt cx="0" cy="0"/>
+        </a:xfrm>
+      </p:grpSpPr>
+      <p:sp>
+        <p:nvSpPr>
+          <p:cNvPr id="2" name="Titel 1">
+            <a:extLst>
+              <a:ext uri="{FF2B5EF4-FFF2-40B4-BE49-F238E27FC236}">
+                <a16:creationId xmlns:a16="http://schemas.microsoft.com/office/drawing/2014/main" id="{94F36606-0692-49F9-A97E-432EB354F2E2}"/>
+              </a:ext>
+            </a:extLst>
+          </p:cNvPr>
+          <p:cNvSpPr>
+            <a:spLocks noGrp="1"/>
+          </p:cNvSpPr>
+          <p:nvPr>
+            <p:ph type="title"/>
+          </p:nvPr>
+        </p:nvSpPr>
+        <p:spPr>
+          <a:xfrm>
+            <a:off x="838200" y="2766218"/>
+            <a:ext cx="10515600" cy="1325563"/>
+          </a:xfrm>
+        </p:spPr>
+        <p:txBody>
+          <a:bodyPr>
+            <a:normAutofit/>
+          </a:bodyPr>
+          <a:lstStyle/>
+          <a:p>
+            <a:pPr algn="ctr"/>
+            <a:r>
+              <a:rPr lang="de-DE" sz="7200" dirty="0"/>
+              <a:t>Fazit</a:t>
+            </a:r>
+          </a:p>
+        </p:txBody>
+      </p:sp>
+    </p:spTree>
+    <p:extLst>
+      <p:ext uri="{BB962C8B-B14F-4D97-AF65-F5344CB8AC3E}">
+        <p14:creationId xmlns:p14="http://schemas.microsoft.com/office/powerpoint/2010/main" val="2656230704"/>
+      </p:ext>
+    </p:extLst>
+  </p:cSld>
+  <p:clrMapOvr>
+    <a:masterClrMapping/>
+  </p:clrMapOvr>
+</p:sld>
+</file>
+
 <file path=ppt/slides/slide2.xml><?xml version="1.0" encoding="utf-8"?>
 <p:sld xmlns:a="http://schemas.openxmlformats.org/drawingml/2006/main" xmlns:r="http://schemas.openxmlformats.org/officeDocument/2006/relationships" xmlns:p="http://schemas.openxmlformats.org/presentationml/2006/main">
   <p:cSld>
